--- a/img/Jostick Controls Design.pptx
+++ b/img/Jostick Controls Design.pptx
@@ -6,6 +6,7 @@
   </p:sldMasterIdLst>
   <p:sldIdLst>
     <p:sldId id="256" r:id="rId2"/>
+    <p:sldId id="257" r:id="rId3"/>
   </p:sldIdLst>
   <p:sldSz cx="12192000" cy="6858000"/>
   <p:notesSz cx="6858000" cy="9144000"/>
@@ -104,6 +105,11 @@
       </a:defRPr>
     </a:lvl9pPr>
   </p:defaultTextStyle>
+  <p:extLst>
+    <p:ext uri="{EFAFB233-063F-42B5-8137-9DF3F51BA10A}">
+      <p15:sldGuideLst xmlns:p15="http://schemas.microsoft.com/office/powerpoint/2012/main"/>
+    </p:ext>
+  </p:extLst>
 </p:presentation>
 </file>
 
@@ -149,10 +155,9 @@
           </a:lstStyle>
           <a:p>
             <a:r>
-              <a:rPr lang="en-US" smtClean="0"/>
+              <a:rPr lang="en-US"/>
               <a:t>Click to edit Master title style</a:t>
             </a:r>
-            <a:endParaRPr lang="en-US"/>
           </a:p>
         </p:txBody>
       </p:sp>
@@ -214,10 +219,9 @@
           </a:lstStyle>
           <a:p>
             <a:r>
-              <a:rPr lang="en-US" smtClean="0"/>
+              <a:rPr lang="en-US"/>
               <a:t>Click to edit Master subtitle style</a:t>
             </a:r>
-            <a:endParaRPr lang="en-US"/>
           </a:p>
         </p:txBody>
       </p:sp>
@@ -238,7 +242,7 @@
           <a:p>
             <a:fld id="{4407B872-7759-9441-B4F8-79D2BFFA3FD2}" type="datetimeFigureOut">
               <a:rPr lang="en-US" smtClean="0"/>
-              <a:t>11/19/17</a:t>
+              <a:t>12/19/21</a:t>
             </a:fld>
             <a:endParaRPr lang="en-US"/>
           </a:p>
@@ -332,10 +336,9 @@
           <a:lstStyle/>
           <a:p>
             <a:r>
-              <a:rPr lang="en-US" smtClean="0"/>
+              <a:rPr lang="en-US"/>
               <a:t>Click to edit Master title style</a:t>
             </a:r>
-            <a:endParaRPr lang="en-US"/>
           </a:p>
         </p:txBody>
       </p:sp>
@@ -356,38 +359,37 @@
           <a:p>
             <a:pPr lvl="0"/>
             <a:r>
-              <a:rPr lang="en-US" smtClean="0"/>
+              <a:rPr lang="en-US"/>
               <a:t>Click to edit Master text styles</a:t>
             </a:r>
           </a:p>
           <a:p>
             <a:pPr lvl="1"/>
             <a:r>
-              <a:rPr lang="en-US" smtClean="0"/>
+              <a:rPr lang="en-US"/>
               <a:t>Second level</a:t>
             </a:r>
           </a:p>
           <a:p>
             <a:pPr lvl="2"/>
             <a:r>
-              <a:rPr lang="en-US" smtClean="0"/>
+              <a:rPr lang="en-US"/>
               <a:t>Third level</a:t>
             </a:r>
           </a:p>
           <a:p>
             <a:pPr lvl="3"/>
             <a:r>
-              <a:rPr lang="en-US" smtClean="0"/>
+              <a:rPr lang="en-US"/>
               <a:t>Fourth level</a:t>
             </a:r>
           </a:p>
           <a:p>
             <a:pPr lvl="4"/>
             <a:r>
-              <a:rPr lang="en-US" smtClean="0"/>
+              <a:rPr lang="en-US"/>
               <a:t>Fifth level</a:t>
             </a:r>
-            <a:endParaRPr lang="en-US"/>
           </a:p>
         </p:txBody>
       </p:sp>
@@ -408,7 +410,7 @@
           <a:p>
             <a:fld id="{4407B872-7759-9441-B4F8-79D2BFFA3FD2}" type="datetimeFigureOut">
               <a:rPr lang="en-US" smtClean="0"/>
-              <a:t>11/19/17</a:t>
+              <a:t>12/19/21</a:t>
             </a:fld>
             <a:endParaRPr lang="en-US"/>
           </a:p>
@@ -507,10 +509,9 @@
           <a:lstStyle/>
           <a:p>
             <a:r>
-              <a:rPr lang="en-US" smtClean="0"/>
+              <a:rPr lang="en-US"/>
               <a:t>Click to edit Master title style</a:t>
             </a:r>
-            <a:endParaRPr lang="en-US"/>
           </a:p>
         </p:txBody>
       </p:sp>
@@ -536,38 +537,37 @@
           <a:p>
             <a:pPr lvl="0"/>
             <a:r>
-              <a:rPr lang="en-US" smtClean="0"/>
+              <a:rPr lang="en-US"/>
               <a:t>Click to edit Master text styles</a:t>
             </a:r>
           </a:p>
           <a:p>
             <a:pPr lvl="1"/>
             <a:r>
-              <a:rPr lang="en-US" smtClean="0"/>
+              <a:rPr lang="en-US"/>
               <a:t>Second level</a:t>
             </a:r>
           </a:p>
           <a:p>
             <a:pPr lvl="2"/>
             <a:r>
-              <a:rPr lang="en-US" smtClean="0"/>
+              <a:rPr lang="en-US"/>
               <a:t>Third level</a:t>
             </a:r>
           </a:p>
           <a:p>
             <a:pPr lvl="3"/>
             <a:r>
-              <a:rPr lang="en-US" smtClean="0"/>
+              <a:rPr lang="en-US"/>
               <a:t>Fourth level</a:t>
             </a:r>
           </a:p>
           <a:p>
             <a:pPr lvl="4"/>
             <a:r>
-              <a:rPr lang="en-US" smtClean="0"/>
+              <a:rPr lang="en-US"/>
               <a:t>Fifth level</a:t>
             </a:r>
-            <a:endParaRPr lang="en-US"/>
           </a:p>
         </p:txBody>
       </p:sp>
@@ -588,7 +588,7 @@
           <a:p>
             <a:fld id="{4407B872-7759-9441-B4F8-79D2BFFA3FD2}" type="datetimeFigureOut">
               <a:rPr lang="en-US" smtClean="0"/>
-              <a:t>11/19/17</a:t>
+              <a:t>12/19/21</a:t>
             </a:fld>
             <a:endParaRPr lang="en-US"/>
           </a:p>
@@ -682,10 +682,9 @@
           <a:lstStyle/>
           <a:p>
             <a:r>
-              <a:rPr lang="en-US" smtClean="0"/>
+              <a:rPr lang="en-US"/>
               <a:t>Click to edit Master title style</a:t>
             </a:r>
-            <a:endParaRPr lang="en-US"/>
           </a:p>
         </p:txBody>
       </p:sp>
@@ -706,38 +705,37 @@
           <a:p>
             <a:pPr lvl="0"/>
             <a:r>
-              <a:rPr lang="en-US" smtClean="0"/>
+              <a:rPr lang="en-US"/>
               <a:t>Click to edit Master text styles</a:t>
             </a:r>
           </a:p>
           <a:p>
             <a:pPr lvl="1"/>
             <a:r>
-              <a:rPr lang="en-US" smtClean="0"/>
+              <a:rPr lang="en-US"/>
               <a:t>Second level</a:t>
             </a:r>
           </a:p>
           <a:p>
             <a:pPr lvl="2"/>
             <a:r>
-              <a:rPr lang="en-US" smtClean="0"/>
+              <a:rPr lang="en-US"/>
               <a:t>Third level</a:t>
             </a:r>
           </a:p>
           <a:p>
             <a:pPr lvl="3"/>
             <a:r>
-              <a:rPr lang="en-US" smtClean="0"/>
+              <a:rPr lang="en-US"/>
               <a:t>Fourth level</a:t>
             </a:r>
           </a:p>
           <a:p>
             <a:pPr lvl="4"/>
             <a:r>
-              <a:rPr lang="en-US" smtClean="0"/>
+              <a:rPr lang="en-US"/>
               <a:t>Fifth level</a:t>
             </a:r>
-            <a:endParaRPr lang="en-US"/>
           </a:p>
         </p:txBody>
       </p:sp>
@@ -758,7 +756,7 @@
           <a:p>
             <a:fld id="{4407B872-7759-9441-B4F8-79D2BFFA3FD2}" type="datetimeFigureOut">
               <a:rPr lang="en-US" smtClean="0"/>
-              <a:t>11/19/17</a:t>
+              <a:t>12/19/21</a:t>
             </a:fld>
             <a:endParaRPr lang="en-US"/>
           </a:p>
@@ -861,10 +859,9 @@
           </a:lstStyle>
           <a:p>
             <a:r>
-              <a:rPr lang="en-US" smtClean="0"/>
+              <a:rPr lang="en-US"/>
               <a:t>Click to edit Master title style</a:t>
             </a:r>
-            <a:endParaRPr lang="en-US"/>
           </a:p>
         </p:txBody>
       </p:sp>
@@ -981,7 +978,7 @@
           <a:p>
             <a:pPr lvl="0"/>
             <a:r>
-              <a:rPr lang="en-US" smtClean="0"/>
+              <a:rPr lang="en-US"/>
               <a:t>Click to edit Master text styles</a:t>
             </a:r>
           </a:p>
@@ -1004,7 +1001,7 @@
           <a:p>
             <a:fld id="{4407B872-7759-9441-B4F8-79D2BFFA3FD2}" type="datetimeFigureOut">
               <a:rPr lang="en-US" smtClean="0"/>
-              <a:t>11/19/17</a:t>
+              <a:t>12/19/21</a:t>
             </a:fld>
             <a:endParaRPr lang="en-US"/>
           </a:p>
@@ -1098,10 +1095,9 @@
           <a:lstStyle/>
           <a:p>
             <a:r>
-              <a:rPr lang="en-US" smtClean="0"/>
+              <a:rPr lang="en-US"/>
               <a:t>Click to edit Master title style</a:t>
             </a:r>
-            <a:endParaRPr lang="en-US"/>
           </a:p>
         </p:txBody>
       </p:sp>
@@ -1127,38 +1123,37 @@
           <a:p>
             <a:pPr lvl="0"/>
             <a:r>
-              <a:rPr lang="en-US" smtClean="0"/>
+              <a:rPr lang="en-US"/>
               <a:t>Click to edit Master text styles</a:t>
             </a:r>
           </a:p>
           <a:p>
             <a:pPr lvl="1"/>
             <a:r>
-              <a:rPr lang="en-US" smtClean="0"/>
+              <a:rPr lang="en-US"/>
               <a:t>Second level</a:t>
             </a:r>
           </a:p>
           <a:p>
             <a:pPr lvl="2"/>
             <a:r>
-              <a:rPr lang="en-US" smtClean="0"/>
+              <a:rPr lang="en-US"/>
               <a:t>Third level</a:t>
             </a:r>
           </a:p>
           <a:p>
             <a:pPr lvl="3"/>
             <a:r>
-              <a:rPr lang="en-US" smtClean="0"/>
+              <a:rPr lang="en-US"/>
               <a:t>Fourth level</a:t>
             </a:r>
           </a:p>
           <a:p>
             <a:pPr lvl="4"/>
             <a:r>
-              <a:rPr lang="en-US" smtClean="0"/>
+              <a:rPr lang="en-US"/>
               <a:t>Fifth level</a:t>
             </a:r>
-            <a:endParaRPr lang="en-US"/>
           </a:p>
         </p:txBody>
       </p:sp>
@@ -1184,38 +1179,37 @@
           <a:p>
             <a:pPr lvl="0"/>
             <a:r>
-              <a:rPr lang="en-US" smtClean="0"/>
+              <a:rPr lang="en-US"/>
               <a:t>Click to edit Master text styles</a:t>
             </a:r>
           </a:p>
           <a:p>
             <a:pPr lvl="1"/>
             <a:r>
-              <a:rPr lang="en-US" smtClean="0"/>
+              <a:rPr lang="en-US"/>
               <a:t>Second level</a:t>
             </a:r>
           </a:p>
           <a:p>
             <a:pPr lvl="2"/>
             <a:r>
-              <a:rPr lang="en-US" smtClean="0"/>
+              <a:rPr lang="en-US"/>
               <a:t>Third level</a:t>
             </a:r>
           </a:p>
           <a:p>
             <a:pPr lvl="3"/>
             <a:r>
-              <a:rPr lang="en-US" smtClean="0"/>
+              <a:rPr lang="en-US"/>
               <a:t>Fourth level</a:t>
             </a:r>
           </a:p>
           <a:p>
             <a:pPr lvl="4"/>
             <a:r>
-              <a:rPr lang="en-US" smtClean="0"/>
+              <a:rPr lang="en-US"/>
               <a:t>Fifth level</a:t>
             </a:r>
-            <a:endParaRPr lang="en-US"/>
           </a:p>
         </p:txBody>
       </p:sp>
@@ -1236,7 +1230,7 @@
           <a:p>
             <a:fld id="{4407B872-7759-9441-B4F8-79D2BFFA3FD2}" type="datetimeFigureOut">
               <a:rPr lang="en-US" smtClean="0"/>
-              <a:t>11/19/17</a:t>
+              <a:t>12/19/21</a:t>
             </a:fld>
             <a:endParaRPr lang="en-US"/>
           </a:p>
@@ -1335,10 +1329,9 @@
           <a:lstStyle/>
           <a:p>
             <a:r>
-              <a:rPr lang="en-US" smtClean="0"/>
+              <a:rPr lang="en-US"/>
               <a:t>Click to edit Master title style</a:t>
             </a:r>
-            <a:endParaRPr lang="en-US"/>
           </a:p>
         </p:txBody>
       </p:sp>
@@ -1401,7 +1394,7 @@
           <a:p>
             <a:pPr lvl="0"/>
             <a:r>
-              <a:rPr lang="en-US" smtClean="0"/>
+              <a:rPr lang="en-US"/>
               <a:t>Click to edit Master text styles</a:t>
             </a:r>
           </a:p>
@@ -1429,38 +1422,37 @@
           <a:p>
             <a:pPr lvl="0"/>
             <a:r>
-              <a:rPr lang="en-US" smtClean="0"/>
+              <a:rPr lang="en-US"/>
               <a:t>Click to edit Master text styles</a:t>
             </a:r>
           </a:p>
           <a:p>
             <a:pPr lvl="1"/>
             <a:r>
-              <a:rPr lang="en-US" smtClean="0"/>
+              <a:rPr lang="en-US"/>
               <a:t>Second level</a:t>
             </a:r>
           </a:p>
           <a:p>
             <a:pPr lvl="2"/>
             <a:r>
-              <a:rPr lang="en-US" smtClean="0"/>
+              <a:rPr lang="en-US"/>
               <a:t>Third level</a:t>
             </a:r>
           </a:p>
           <a:p>
             <a:pPr lvl="3"/>
             <a:r>
-              <a:rPr lang="en-US" smtClean="0"/>
+              <a:rPr lang="en-US"/>
               <a:t>Fourth level</a:t>
             </a:r>
           </a:p>
           <a:p>
             <a:pPr lvl="4"/>
             <a:r>
-              <a:rPr lang="en-US" smtClean="0"/>
+              <a:rPr lang="en-US"/>
               <a:t>Fifth level</a:t>
             </a:r>
-            <a:endParaRPr lang="en-US"/>
           </a:p>
         </p:txBody>
       </p:sp>
@@ -1523,7 +1515,7 @@
           <a:p>
             <a:pPr lvl="0"/>
             <a:r>
-              <a:rPr lang="en-US" smtClean="0"/>
+              <a:rPr lang="en-US"/>
               <a:t>Click to edit Master text styles</a:t>
             </a:r>
           </a:p>
@@ -1551,38 +1543,37 @@
           <a:p>
             <a:pPr lvl="0"/>
             <a:r>
-              <a:rPr lang="en-US" smtClean="0"/>
+              <a:rPr lang="en-US"/>
               <a:t>Click to edit Master text styles</a:t>
             </a:r>
           </a:p>
           <a:p>
             <a:pPr lvl="1"/>
             <a:r>
-              <a:rPr lang="en-US" smtClean="0"/>
+              <a:rPr lang="en-US"/>
               <a:t>Second level</a:t>
             </a:r>
           </a:p>
           <a:p>
             <a:pPr lvl="2"/>
             <a:r>
-              <a:rPr lang="en-US" smtClean="0"/>
+              <a:rPr lang="en-US"/>
               <a:t>Third level</a:t>
             </a:r>
           </a:p>
           <a:p>
             <a:pPr lvl="3"/>
             <a:r>
-              <a:rPr lang="en-US" smtClean="0"/>
+              <a:rPr lang="en-US"/>
               <a:t>Fourth level</a:t>
             </a:r>
           </a:p>
           <a:p>
             <a:pPr lvl="4"/>
             <a:r>
-              <a:rPr lang="en-US" smtClean="0"/>
+              <a:rPr lang="en-US"/>
               <a:t>Fifth level</a:t>
             </a:r>
-            <a:endParaRPr lang="en-US"/>
           </a:p>
         </p:txBody>
       </p:sp>
@@ -1603,7 +1594,7 @@
           <a:p>
             <a:fld id="{4407B872-7759-9441-B4F8-79D2BFFA3FD2}" type="datetimeFigureOut">
               <a:rPr lang="en-US" smtClean="0"/>
-              <a:t>11/19/17</a:t>
+              <a:t>12/19/21</a:t>
             </a:fld>
             <a:endParaRPr lang="en-US"/>
           </a:p>
@@ -1697,10 +1688,9 @@
           <a:lstStyle/>
           <a:p>
             <a:r>
-              <a:rPr lang="en-US" smtClean="0"/>
+              <a:rPr lang="en-US"/>
               <a:t>Click to edit Master title style</a:t>
             </a:r>
-            <a:endParaRPr lang="en-US"/>
           </a:p>
         </p:txBody>
       </p:sp>
@@ -1721,7 +1711,7 @@
           <a:p>
             <a:fld id="{4407B872-7759-9441-B4F8-79D2BFFA3FD2}" type="datetimeFigureOut">
               <a:rPr lang="en-US" smtClean="0"/>
-              <a:t>11/19/17</a:t>
+              <a:t>12/19/21</a:t>
             </a:fld>
             <a:endParaRPr lang="en-US"/>
           </a:p>
@@ -1816,7 +1806,7 @@
           <a:p>
             <a:fld id="{4407B872-7759-9441-B4F8-79D2BFFA3FD2}" type="datetimeFigureOut">
               <a:rPr lang="en-US" smtClean="0"/>
-              <a:t>11/19/17</a:t>
+              <a:t>12/19/21</a:t>
             </a:fld>
             <a:endParaRPr lang="en-US"/>
           </a:p>
@@ -1919,10 +1909,9 @@
           </a:lstStyle>
           <a:p>
             <a:r>
-              <a:rPr lang="en-US" smtClean="0"/>
+              <a:rPr lang="en-US"/>
               <a:t>Click to edit Master title style</a:t>
             </a:r>
-            <a:endParaRPr lang="en-US"/>
           </a:p>
         </p:txBody>
       </p:sp>
@@ -1976,38 +1965,37 @@
           <a:p>
             <a:pPr lvl="0"/>
             <a:r>
-              <a:rPr lang="en-US" smtClean="0"/>
+              <a:rPr lang="en-US"/>
               <a:t>Click to edit Master text styles</a:t>
             </a:r>
           </a:p>
           <a:p>
             <a:pPr lvl="1"/>
             <a:r>
-              <a:rPr lang="en-US" smtClean="0"/>
+              <a:rPr lang="en-US"/>
               <a:t>Second level</a:t>
             </a:r>
           </a:p>
           <a:p>
             <a:pPr lvl="2"/>
             <a:r>
-              <a:rPr lang="en-US" smtClean="0"/>
+              <a:rPr lang="en-US"/>
               <a:t>Third level</a:t>
             </a:r>
           </a:p>
           <a:p>
             <a:pPr lvl="3"/>
             <a:r>
-              <a:rPr lang="en-US" smtClean="0"/>
+              <a:rPr lang="en-US"/>
               <a:t>Fourth level</a:t>
             </a:r>
           </a:p>
           <a:p>
             <a:pPr lvl="4"/>
             <a:r>
-              <a:rPr lang="en-US" smtClean="0"/>
+              <a:rPr lang="en-US"/>
               <a:t>Fifth level</a:t>
             </a:r>
-            <a:endParaRPr lang="en-US"/>
           </a:p>
         </p:txBody>
       </p:sp>
@@ -2070,7 +2058,7 @@
           <a:p>
             <a:pPr lvl="0"/>
             <a:r>
-              <a:rPr lang="en-US" smtClean="0"/>
+              <a:rPr lang="en-US"/>
               <a:t>Click to edit Master text styles</a:t>
             </a:r>
           </a:p>
@@ -2093,7 +2081,7 @@
           <a:p>
             <a:fld id="{4407B872-7759-9441-B4F8-79D2BFFA3FD2}" type="datetimeFigureOut">
               <a:rPr lang="en-US" smtClean="0"/>
-              <a:t>11/19/17</a:t>
+              <a:t>12/19/21</a:t>
             </a:fld>
             <a:endParaRPr lang="en-US"/>
           </a:p>
@@ -2196,10 +2184,9 @@
           </a:lstStyle>
           <a:p>
             <a:r>
-              <a:rPr lang="en-US" smtClean="0"/>
+              <a:rPr lang="en-US"/>
               <a:t>Click to edit Master title style</a:t>
             </a:r>
-            <a:endParaRPr lang="en-US"/>
           </a:p>
         </p:txBody>
       </p:sp>
@@ -2323,7 +2310,7 @@
           <a:p>
             <a:pPr lvl="0"/>
             <a:r>
-              <a:rPr lang="en-US" smtClean="0"/>
+              <a:rPr lang="en-US"/>
               <a:t>Click to edit Master text styles</a:t>
             </a:r>
           </a:p>
@@ -2346,7 +2333,7 @@
           <a:p>
             <a:fld id="{4407B872-7759-9441-B4F8-79D2BFFA3FD2}" type="datetimeFigureOut">
               <a:rPr lang="en-US" smtClean="0"/>
-              <a:t>11/19/17</a:t>
+              <a:t>12/19/21</a:t>
             </a:fld>
             <a:endParaRPr lang="en-US"/>
           </a:p>
@@ -2455,10 +2442,9 @@
           <a:lstStyle/>
           <a:p>
             <a:r>
-              <a:rPr lang="en-US" smtClean="0"/>
+              <a:rPr lang="en-US"/>
               <a:t>Click to edit Master title style</a:t>
             </a:r>
-            <a:endParaRPr lang="en-US"/>
           </a:p>
         </p:txBody>
       </p:sp>
@@ -2489,38 +2475,37 @@
           <a:p>
             <a:pPr lvl="0"/>
             <a:r>
-              <a:rPr lang="en-US" smtClean="0"/>
+              <a:rPr lang="en-US"/>
               <a:t>Click to edit Master text styles</a:t>
             </a:r>
           </a:p>
           <a:p>
             <a:pPr lvl="1"/>
             <a:r>
-              <a:rPr lang="en-US" smtClean="0"/>
+              <a:rPr lang="en-US"/>
               <a:t>Second level</a:t>
             </a:r>
           </a:p>
           <a:p>
             <a:pPr lvl="2"/>
             <a:r>
-              <a:rPr lang="en-US" smtClean="0"/>
+              <a:rPr lang="en-US"/>
               <a:t>Third level</a:t>
             </a:r>
           </a:p>
           <a:p>
             <a:pPr lvl="3"/>
             <a:r>
-              <a:rPr lang="en-US" smtClean="0"/>
+              <a:rPr lang="en-US"/>
               <a:t>Fourth level</a:t>
             </a:r>
           </a:p>
           <a:p>
             <a:pPr lvl="4"/>
             <a:r>
-              <a:rPr lang="en-US" smtClean="0"/>
+              <a:rPr lang="en-US"/>
               <a:t>Fifth level</a:t>
             </a:r>
-            <a:endParaRPr lang="en-US"/>
           </a:p>
         </p:txBody>
       </p:sp>
@@ -2559,7 +2544,7 @@
           <a:p>
             <a:fld id="{4407B872-7759-9441-B4F8-79D2BFFA3FD2}" type="datetimeFigureOut">
               <a:rPr lang="en-US" smtClean="0"/>
-              <a:t>11/19/17</a:t>
+              <a:t>12/19/21</a:t>
             </a:fld>
             <a:endParaRPr lang="en-US"/>
           </a:p>
@@ -3868,6 +3853,1045 @@
 </p:sld>
 </file>
 
+<file path=ppt/slides/slide2.xml><?xml version="1.0" encoding="utf-8"?>
+<p:sld xmlns:a="http://schemas.openxmlformats.org/drawingml/2006/main" xmlns:r="http://schemas.openxmlformats.org/officeDocument/2006/relationships" xmlns:p="http://schemas.openxmlformats.org/presentationml/2006/main">
+  <p:cSld>
+    <p:spTree>
+      <p:nvGrpSpPr>
+        <p:cNvPr id="1" name=""/>
+        <p:cNvGrpSpPr/>
+        <p:nvPr/>
+      </p:nvGrpSpPr>
+      <p:grpSpPr>
+        <a:xfrm>
+          <a:off x="0" y="0"/>
+          <a:ext cx="0" cy="0"/>
+          <a:chOff x="0" y="0"/>
+          <a:chExt cx="0" cy="0"/>
+        </a:xfrm>
+      </p:grpSpPr>
+      <p:grpSp>
+        <p:nvGrpSpPr>
+          <p:cNvPr id="7" name="Group 6">
+            <a:extLst>
+              <a:ext uri="{FF2B5EF4-FFF2-40B4-BE49-F238E27FC236}">
+                <a16:creationId xmlns:a16="http://schemas.microsoft.com/office/drawing/2014/main" id="{5D20A3CF-6DEC-D046-ADF9-174FC9D6220C}"/>
+              </a:ext>
+            </a:extLst>
+          </p:cNvPr>
+          <p:cNvGrpSpPr/>
+          <p:nvPr/>
+        </p:nvGrpSpPr>
+        <p:grpSpPr>
+          <a:xfrm>
+            <a:off x="1229474" y="1626939"/>
+            <a:ext cx="3600000" cy="3600000"/>
+            <a:chOff x="1229474" y="1626939"/>
+            <a:chExt cx="3600000" cy="3600000"/>
+          </a:xfrm>
+        </p:grpSpPr>
+        <p:sp>
+          <p:nvSpPr>
+            <p:cNvPr id="21" name="Rectangle 20"/>
+            <p:cNvSpPr/>
+            <p:nvPr/>
+          </p:nvSpPr>
+          <p:spPr>
+            <a:xfrm>
+              <a:off x="1229474" y="1626939"/>
+              <a:ext cx="3600000" cy="3600000"/>
+            </a:xfrm>
+            <a:prstGeom prst="rect">
+              <a:avLst/>
+            </a:prstGeom>
+            <a:solidFill>
+              <a:srgbClr val="7A7A7A"/>
+            </a:solidFill>
+          </p:spPr>
+          <p:style>
+            <a:lnRef idx="2">
+              <a:schemeClr val="accent1">
+                <a:shade val="50000"/>
+              </a:schemeClr>
+            </a:lnRef>
+            <a:fillRef idx="1">
+              <a:schemeClr val="accent1"/>
+            </a:fillRef>
+            <a:effectRef idx="0">
+              <a:schemeClr val="accent1"/>
+            </a:effectRef>
+            <a:fontRef idx="minor">
+              <a:schemeClr val="lt1"/>
+            </a:fontRef>
+          </p:style>
+          <p:txBody>
+            <a:bodyPr rtlCol="0" anchor="ctr"/>
+            <a:lstStyle/>
+            <a:p>
+              <a:pPr algn="ctr"/>
+              <a:endParaRPr lang="en-US"/>
+            </a:p>
+          </p:txBody>
+        </p:sp>
+        <p:sp>
+          <p:nvSpPr>
+            <p:cNvPr id="4" name="Quad Arrow Callout 3"/>
+            <p:cNvSpPr/>
+            <p:nvPr/>
+          </p:nvSpPr>
+          <p:spPr>
+            <a:xfrm>
+              <a:off x="1274247" y="1671712"/>
+              <a:ext cx="3510455" cy="3510455"/>
+            </a:xfrm>
+            <a:prstGeom prst="quadArrowCallout">
+              <a:avLst>
+                <a:gd name="adj1" fmla="val 29218"/>
+                <a:gd name="adj2" fmla="val 11354"/>
+                <a:gd name="adj3" fmla="val 6186"/>
+                <a:gd name="adj4" fmla="val 22056"/>
+              </a:avLst>
+            </a:prstGeom>
+            <a:solidFill>
+              <a:schemeClr val="tx1"/>
+            </a:solidFill>
+            <a:ln>
+              <a:solidFill>
+                <a:schemeClr val="tx1"/>
+              </a:solidFill>
+            </a:ln>
+          </p:spPr>
+          <p:style>
+            <a:lnRef idx="2">
+              <a:schemeClr val="accent1">
+                <a:shade val="50000"/>
+              </a:schemeClr>
+            </a:lnRef>
+            <a:fillRef idx="1">
+              <a:schemeClr val="accent1"/>
+            </a:fillRef>
+            <a:effectRef idx="0">
+              <a:schemeClr val="accent1"/>
+            </a:effectRef>
+            <a:fontRef idx="minor">
+              <a:schemeClr val="lt1"/>
+            </a:fontRef>
+          </p:style>
+          <p:txBody>
+            <a:bodyPr rtlCol="0" anchor="ctr"/>
+            <a:lstStyle/>
+            <a:p>
+              <a:pPr algn="ctr"/>
+              <a:endParaRPr lang="en-US"/>
+            </a:p>
+          </p:txBody>
+        </p:sp>
+        <p:grpSp>
+          <p:nvGrpSpPr>
+            <p:cNvPr id="3" name="Group 2">
+              <a:extLst>
+                <a:ext uri="{FF2B5EF4-FFF2-40B4-BE49-F238E27FC236}">
+                  <a16:creationId xmlns:a16="http://schemas.microsoft.com/office/drawing/2014/main" id="{DEEF7400-E241-5A46-A7E7-3CEDDA5B3DCA}"/>
+                </a:ext>
+              </a:extLst>
+            </p:cNvPr>
+            <p:cNvGrpSpPr/>
+            <p:nvPr/>
+          </p:nvGrpSpPr>
+          <p:grpSpPr>
+            <a:xfrm>
+              <a:off x="2693164" y="1885937"/>
+              <a:ext cx="672621" cy="3082004"/>
+              <a:chOff x="2696221" y="1885360"/>
+              <a:chExt cx="672621" cy="3082004"/>
+            </a:xfrm>
+          </p:grpSpPr>
+          <p:sp>
+            <p:nvSpPr>
+              <p:cNvPr id="9" name="Up Arrow 8"/>
+              <p:cNvSpPr/>
+              <p:nvPr/>
+            </p:nvSpPr>
+            <p:spPr>
+              <a:xfrm>
+                <a:off x="2701950" y="1885360"/>
+                <a:ext cx="666892" cy="605790"/>
+              </a:xfrm>
+              <a:prstGeom prst="upArrow">
+                <a:avLst>
+                  <a:gd name="adj1" fmla="val 52062"/>
+                  <a:gd name="adj2" fmla="val 52792"/>
+                </a:avLst>
+              </a:prstGeom>
+              <a:solidFill>
+                <a:schemeClr val="bg1"/>
+              </a:solidFill>
+              <a:ln>
+                <a:noFill/>
+              </a:ln>
+            </p:spPr>
+            <p:style>
+              <a:lnRef idx="2">
+                <a:schemeClr val="accent1">
+                  <a:shade val="50000"/>
+                </a:schemeClr>
+              </a:lnRef>
+              <a:fillRef idx="1">
+                <a:schemeClr val="accent1"/>
+              </a:fillRef>
+              <a:effectRef idx="0">
+                <a:schemeClr val="accent1"/>
+              </a:effectRef>
+              <a:fontRef idx="minor">
+                <a:schemeClr val="lt1"/>
+              </a:fontRef>
+            </p:style>
+            <p:txBody>
+              <a:bodyPr rtlCol="0" anchor="ctr"/>
+              <a:lstStyle/>
+              <a:p>
+                <a:pPr algn="ctr"/>
+                <a:endParaRPr lang="en-US"/>
+              </a:p>
+            </p:txBody>
+          </p:sp>
+          <p:sp>
+            <p:nvSpPr>
+              <p:cNvPr id="26" name="Up Arrow 25">
+                <a:extLst>
+                  <a:ext uri="{FF2B5EF4-FFF2-40B4-BE49-F238E27FC236}">
+                    <a16:creationId xmlns:a16="http://schemas.microsoft.com/office/drawing/2014/main" id="{FCB20B43-8368-EA47-BD1E-37E4CED01235}"/>
+                  </a:ext>
+                </a:extLst>
+              </p:cNvPr>
+              <p:cNvSpPr/>
+              <p:nvPr/>
+            </p:nvSpPr>
+            <p:spPr>
+              <a:xfrm rot="10800000">
+                <a:off x="2696221" y="4361574"/>
+                <a:ext cx="666892" cy="605790"/>
+              </a:xfrm>
+              <a:prstGeom prst="upArrow">
+                <a:avLst>
+                  <a:gd name="adj1" fmla="val 52062"/>
+                  <a:gd name="adj2" fmla="val 52792"/>
+                </a:avLst>
+              </a:prstGeom>
+              <a:solidFill>
+                <a:schemeClr val="bg1"/>
+              </a:solidFill>
+              <a:ln>
+                <a:noFill/>
+              </a:ln>
+            </p:spPr>
+            <p:style>
+              <a:lnRef idx="2">
+                <a:schemeClr val="accent1">
+                  <a:shade val="50000"/>
+                </a:schemeClr>
+              </a:lnRef>
+              <a:fillRef idx="1">
+                <a:schemeClr val="accent1"/>
+              </a:fillRef>
+              <a:effectRef idx="0">
+                <a:schemeClr val="accent1"/>
+              </a:effectRef>
+              <a:fontRef idx="minor">
+                <a:schemeClr val="lt1"/>
+              </a:fontRef>
+            </p:style>
+            <p:txBody>
+              <a:bodyPr rtlCol="0" anchor="ctr"/>
+              <a:lstStyle/>
+              <a:p>
+                <a:pPr algn="ctr"/>
+                <a:endParaRPr lang="en-US"/>
+              </a:p>
+            </p:txBody>
+          </p:sp>
+        </p:grpSp>
+        <p:grpSp>
+          <p:nvGrpSpPr>
+            <p:cNvPr id="32" name="Group 31">
+              <a:extLst>
+                <a:ext uri="{FF2B5EF4-FFF2-40B4-BE49-F238E27FC236}">
+                  <a16:creationId xmlns:a16="http://schemas.microsoft.com/office/drawing/2014/main" id="{D8A376A3-82B8-134E-B530-EC693A645B1B}"/>
+                </a:ext>
+              </a:extLst>
+            </p:cNvPr>
+            <p:cNvGrpSpPr/>
+            <p:nvPr/>
+          </p:nvGrpSpPr>
+          <p:grpSpPr>
+            <a:xfrm rot="16200000">
+              <a:off x="2693164" y="1885937"/>
+              <a:ext cx="672621" cy="3082004"/>
+              <a:chOff x="8691860" y="1881643"/>
+              <a:chExt cx="672621" cy="3082004"/>
+            </a:xfrm>
+          </p:grpSpPr>
+          <p:sp>
+            <p:nvSpPr>
+              <p:cNvPr id="33" name="Up Arrow 32">
+                <a:extLst>
+                  <a:ext uri="{FF2B5EF4-FFF2-40B4-BE49-F238E27FC236}">
+                    <a16:creationId xmlns:a16="http://schemas.microsoft.com/office/drawing/2014/main" id="{88015B05-9E17-BC4E-B965-A904B39A3720}"/>
+                  </a:ext>
+                </a:extLst>
+              </p:cNvPr>
+              <p:cNvSpPr/>
+              <p:nvPr/>
+            </p:nvSpPr>
+            <p:spPr>
+              <a:xfrm>
+                <a:off x="8697589" y="1881643"/>
+                <a:ext cx="666892" cy="605790"/>
+              </a:xfrm>
+              <a:prstGeom prst="upArrow">
+                <a:avLst>
+                  <a:gd name="adj1" fmla="val 52062"/>
+                  <a:gd name="adj2" fmla="val 52792"/>
+                </a:avLst>
+              </a:prstGeom>
+              <a:solidFill>
+                <a:schemeClr val="bg1"/>
+              </a:solidFill>
+              <a:ln>
+                <a:noFill/>
+              </a:ln>
+            </p:spPr>
+            <p:style>
+              <a:lnRef idx="2">
+                <a:schemeClr val="accent1">
+                  <a:shade val="50000"/>
+                </a:schemeClr>
+              </a:lnRef>
+              <a:fillRef idx="1">
+                <a:schemeClr val="accent1"/>
+              </a:fillRef>
+              <a:effectRef idx="0">
+                <a:schemeClr val="accent1"/>
+              </a:effectRef>
+              <a:fontRef idx="minor">
+                <a:schemeClr val="lt1"/>
+              </a:fontRef>
+            </p:style>
+            <p:txBody>
+              <a:bodyPr rtlCol="0" anchor="ctr"/>
+              <a:lstStyle/>
+              <a:p>
+                <a:pPr algn="ctr"/>
+                <a:endParaRPr lang="en-US"/>
+              </a:p>
+            </p:txBody>
+          </p:sp>
+          <p:sp>
+            <p:nvSpPr>
+              <p:cNvPr id="34" name="Up Arrow 33">
+                <a:extLst>
+                  <a:ext uri="{FF2B5EF4-FFF2-40B4-BE49-F238E27FC236}">
+                    <a16:creationId xmlns:a16="http://schemas.microsoft.com/office/drawing/2014/main" id="{E3524B85-D2F2-2A44-98FE-23BF0E277045}"/>
+                  </a:ext>
+                </a:extLst>
+              </p:cNvPr>
+              <p:cNvSpPr/>
+              <p:nvPr/>
+            </p:nvSpPr>
+            <p:spPr>
+              <a:xfrm rot="10800000">
+                <a:off x="8691860" y="4357857"/>
+                <a:ext cx="666892" cy="605790"/>
+              </a:xfrm>
+              <a:prstGeom prst="upArrow">
+                <a:avLst>
+                  <a:gd name="adj1" fmla="val 52062"/>
+                  <a:gd name="adj2" fmla="val 52792"/>
+                </a:avLst>
+              </a:prstGeom>
+              <a:solidFill>
+                <a:schemeClr val="bg1"/>
+              </a:solidFill>
+              <a:ln>
+                <a:noFill/>
+              </a:ln>
+            </p:spPr>
+            <p:style>
+              <a:lnRef idx="2">
+                <a:schemeClr val="accent1">
+                  <a:shade val="50000"/>
+                </a:schemeClr>
+              </a:lnRef>
+              <a:fillRef idx="1">
+                <a:schemeClr val="accent1"/>
+              </a:fillRef>
+              <a:effectRef idx="0">
+                <a:schemeClr val="accent1"/>
+              </a:effectRef>
+              <a:fontRef idx="minor">
+                <a:schemeClr val="lt1"/>
+              </a:fontRef>
+            </p:style>
+            <p:txBody>
+              <a:bodyPr rtlCol="0" anchor="ctr"/>
+              <a:lstStyle/>
+              <a:p>
+                <a:pPr algn="ctr"/>
+                <a:endParaRPr lang="en-US"/>
+              </a:p>
+            </p:txBody>
+          </p:sp>
+        </p:grpSp>
+      </p:grpSp>
+      <p:grpSp>
+        <p:nvGrpSpPr>
+          <p:cNvPr id="41" name="Group 40">
+            <a:extLst>
+              <a:ext uri="{FF2B5EF4-FFF2-40B4-BE49-F238E27FC236}">
+                <a16:creationId xmlns:a16="http://schemas.microsoft.com/office/drawing/2014/main" id="{582F3428-DD4D-FD40-A4A2-E663486B4691}"/>
+              </a:ext>
+            </a:extLst>
+          </p:cNvPr>
+          <p:cNvGrpSpPr/>
+          <p:nvPr/>
+        </p:nvGrpSpPr>
+        <p:grpSpPr>
+          <a:xfrm>
+            <a:off x="7234034" y="1634617"/>
+            <a:ext cx="3600000" cy="3600000"/>
+            <a:chOff x="7234034" y="1634617"/>
+            <a:chExt cx="3600000" cy="3600000"/>
+          </a:xfrm>
+        </p:grpSpPr>
+        <p:sp>
+          <p:nvSpPr>
+            <p:cNvPr id="22" name="Rectangle 21"/>
+            <p:cNvSpPr/>
+            <p:nvPr/>
+          </p:nvSpPr>
+          <p:spPr>
+            <a:xfrm>
+              <a:off x="7234034" y="1634617"/>
+              <a:ext cx="3600000" cy="3600000"/>
+            </a:xfrm>
+            <a:prstGeom prst="rect">
+              <a:avLst/>
+            </a:prstGeom>
+            <a:solidFill>
+              <a:srgbClr val="7A7A7A"/>
+            </a:solidFill>
+          </p:spPr>
+          <p:style>
+            <a:lnRef idx="2">
+              <a:schemeClr val="accent1">
+                <a:shade val="50000"/>
+              </a:schemeClr>
+            </a:lnRef>
+            <a:fillRef idx="1">
+              <a:schemeClr val="accent1"/>
+            </a:fillRef>
+            <a:effectRef idx="0">
+              <a:schemeClr val="accent1"/>
+            </a:effectRef>
+            <a:fontRef idx="minor">
+              <a:schemeClr val="lt1"/>
+            </a:fontRef>
+          </p:style>
+          <p:txBody>
+            <a:bodyPr rtlCol="0" anchor="ctr"/>
+            <a:lstStyle/>
+            <a:p>
+              <a:pPr algn="ctr"/>
+              <a:endParaRPr lang="en-US"/>
+            </a:p>
+          </p:txBody>
+        </p:sp>
+        <p:sp>
+          <p:nvSpPr>
+            <p:cNvPr id="12" name="Oval 11"/>
+            <p:cNvSpPr/>
+            <p:nvPr/>
+          </p:nvSpPr>
+          <p:spPr>
+            <a:xfrm>
+              <a:off x="7278808" y="1679391"/>
+              <a:ext cx="3510453" cy="3510453"/>
+            </a:xfrm>
+            <a:prstGeom prst="ellipse">
+              <a:avLst/>
+            </a:prstGeom>
+            <a:solidFill>
+              <a:schemeClr val="tx1"/>
+            </a:solidFill>
+            <a:ln>
+              <a:solidFill>
+                <a:schemeClr val="tx1"/>
+              </a:solidFill>
+            </a:ln>
+          </p:spPr>
+          <p:style>
+            <a:lnRef idx="2">
+              <a:schemeClr val="accent1">
+                <a:shade val="50000"/>
+              </a:schemeClr>
+            </a:lnRef>
+            <a:fillRef idx="1">
+              <a:schemeClr val="accent1"/>
+            </a:fillRef>
+            <a:effectRef idx="0">
+              <a:schemeClr val="accent1"/>
+            </a:effectRef>
+            <a:fontRef idx="minor">
+              <a:schemeClr val="lt1"/>
+            </a:fontRef>
+          </p:style>
+          <p:txBody>
+            <a:bodyPr rtlCol="0" anchor="ctr"/>
+            <a:lstStyle/>
+            <a:p>
+              <a:pPr algn="ctr"/>
+              <a:endParaRPr lang="en-US"/>
+            </a:p>
+          </p:txBody>
+        </p:sp>
+        <p:grpSp>
+          <p:nvGrpSpPr>
+            <p:cNvPr id="2" name="Group 1">
+              <a:extLst>
+                <a:ext uri="{FF2B5EF4-FFF2-40B4-BE49-F238E27FC236}">
+                  <a16:creationId xmlns:a16="http://schemas.microsoft.com/office/drawing/2014/main" id="{2265CB81-2A0A-7F49-B8AC-950FCA4996CB}"/>
+                </a:ext>
+              </a:extLst>
+            </p:cNvPr>
+            <p:cNvGrpSpPr/>
+            <p:nvPr/>
+          </p:nvGrpSpPr>
+          <p:grpSpPr>
+            <a:xfrm>
+              <a:off x="8697724" y="1893615"/>
+              <a:ext cx="672621" cy="3082004"/>
+              <a:chOff x="8691860" y="1881643"/>
+              <a:chExt cx="672621" cy="3082004"/>
+            </a:xfrm>
+          </p:grpSpPr>
+          <p:sp>
+            <p:nvSpPr>
+              <p:cNvPr id="27" name="Up Arrow 26">
+                <a:extLst>
+                  <a:ext uri="{FF2B5EF4-FFF2-40B4-BE49-F238E27FC236}">
+                    <a16:creationId xmlns:a16="http://schemas.microsoft.com/office/drawing/2014/main" id="{CC2D7EE9-CE91-9A42-B300-8D6E887E6C3E}"/>
+                  </a:ext>
+                </a:extLst>
+              </p:cNvPr>
+              <p:cNvSpPr/>
+              <p:nvPr/>
+            </p:nvSpPr>
+            <p:spPr>
+              <a:xfrm>
+                <a:off x="8697589" y="1881643"/>
+                <a:ext cx="666892" cy="605790"/>
+              </a:xfrm>
+              <a:prstGeom prst="upArrow">
+                <a:avLst>
+                  <a:gd name="adj1" fmla="val 52062"/>
+                  <a:gd name="adj2" fmla="val 52792"/>
+                </a:avLst>
+              </a:prstGeom>
+              <a:solidFill>
+                <a:schemeClr val="bg1"/>
+              </a:solidFill>
+              <a:ln>
+                <a:noFill/>
+              </a:ln>
+            </p:spPr>
+            <p:style>
+              <a:lnRef idx="2">
+                <a:schemeClr val="accent1">
+                  <a:shade val="50000"/>
+                </a:schemeClr>
+              </a:lnRef>
+              <a:fillRef idx="1">
+                <a:schemeClr val="accent1"/>
+              </a:fillRef>
+              <a:effectRef idx="0">
+                <a:schemeClr val="accent1"/>
+              </a:effectRef>
+              <a:fontRef idx="minor">
+                <a:schemeClr val="lt1"/>
+              </a:fontRef>
+            </p:style>
+            <p:txBody>
+              <a:bodyPr rtlCol="0" anchor="ctr"/>
+              <a:lstStyle/>
+              <a:p>
+                <a:pPr algn="ctr"/>
+                <a:endParaRPr lang="en-US"/>
+              </a:p>
+            </p:txBody>
+          </p:sp>
+          <p:sp>
+            <p:nvSpPr>
+              <p:cNvPr id="28" name="Up Arrow 27">
+                <a:extLst>
+                  <a:ext uri="{FF2B5EF4-FFF2-40B4-BE49-F238E27FC236}">
+                    <a16:creationId xmlns:a16="http://schemas.microsoft.com/office/drawing/2014/main" id="{308B4A06-EB3D-C743-A910-F9551E587084}"/>
+                  </a:ext>
+                </a:extLst>
+              </p:cNvPr>
+              <p:cNvSpPr/>
+              <p:nvPr/>
+            </p:nvSpPr>
+            <p:spPr>
+              <a:xfrm rot="10800000">
+                <a:off x="8691860" y="4357857"/>
+                <a:ext cx="666892" cy="605790"/>
+              </a:xfrm>
+              <a:prstGeom prst="upArrow">
+                <a:avLst>
+                  <a:gd name="adj1" fmla="val 52062"/>
+                  <a:gd name="adj2" fmla="val 52792"/>
+                </a:avLst>
+              </a:prstGeom>
+              <a:solidFill>
+                <a:schemeClr val="bg1"/>
+              </a:solidFill>
+              <a:ln>
+                <a:noFill/>
+              </a:ln>
+            </p:spPr>
+            <p:style>
+              <a:lnRef idx="2">
+                <a:schemeClr val="accent1">
+                  <a:shade val="50000"/>
+                </a:schemeClr>
+              </a:lnRef>
+              <a:fillRef idx="1">
+                <a:schemeClr val="accent1"/>
+              </a:fillRef>
+              <a:effectRef idx="0">
+                <a:schemeClr val="accent1"/>
+              </a:effectRef>
+              <a:fontRef idx="minor">
+                <a:schemeClr val="lt1"/>
+              </a:fontRef>
+            </p:style>
+            <p:txBody>
+              <a:bodyPr rtlCol="0" anchor="ctr"/>
+              <a:lstStyle/>
+              <a:p>
+                <a:pPr algn="ctr"/>
+                <a:endParaRPr lang="en-US"/>
+              </a:p>
+            </p:txBody>
+          </p:sp>
+        </p:grpSp>
+        <p:grpSp>
+          <p:nvGrpSpPr>
+            <p:cNvPr id="29" name="Group 28">
+              <a:extLst>
+                <a:ext uri="{FF2B5EF4-FFF2-40B4-BE49-F238E27FC236}">
+                  <a16:creationId xmlns:a16="http://schemas.microsoft.com/office/drawing/2014/main" id="{65E9AF0F-6ECF-9A47-9376-4E3CFB275A45}"/>
+                </a:ext>
+              </a:extLst>
+            </p:cNvPr>
+            <p:cNvGrpSpPr/>
+            <p:nvPr/>
+          </p:nvGrpSpPr>
+          <p:grpSpPr>
+            <a:xfrm rot="16200000">
+              <a:off x="8697724" y="1893615"/>
+              <a:ext cx="672621" cy="3082004"/>
+              <a:chOff x="8691860" y="1881643"/>
+              <a:chExt cx="672621" cy="3082004"/>
+            </a:xfrm>
+          </p:grpSpPr>
+          <p:sp>
+            <p:nvSpPr>
+              <p:cNvPr id="30" name="Up Arrow 29">
+                <a:extLst>
+                  <a:ext uri="{FF2B5EF4-FFF2-40B4-BE49-F238E27FC236}">
+                    <a16:creationId xmlns:a16="http://schemas.microsoft.com/office/drawing/2014/main" id="{9D7C1AC2-480B-7541-8782-D316F218CE71}"/>
+                  </a:ext>
+                </a:extLst>
+              </p:cNvPr>
+              <p:cNvSpPr/>
+              <p:nvPr/>
+            </p:nvSpPr>
+            <p:spPr>
+              <a:xfrm>
+                <a:off x="8697589" y="1881643"/>
+                <a:ext cx="666892" cy="605790"/>
+              </a:xfrm>
+              <a:prstGeom prst="upArrow">
+                <a:avLst>
+                  <a:gd name="adj1" fmla="val 52062"/>
+                  <a:gd name="adj2" fmla="val 52792"/>
+                </a:avLst>
+              </a:prstGeom>
+              <a:solidFill>
+                <a:schemeClr val="bg1"/>
+              </a:solidFill>
+              <a:ln>
+                <a:noFill/>
+              </a:ln>
+            </p:spPr>
+            <p:style>
+              <a:lnRef idx="2">
+                <a:schemeClr val="accent1">
+                  <a:shade val="50000"/>
+                </a:schemeClr>
+              </a:lnRef>
+              <a:fillRef idx="1">
+                <a:schemeClr val="accent1"/>
+              </a:fillRef>
+              <a:effectRef idx="0">
+                <a:schemeClr val="accent1"/>
+              </a:effectRef>
+              <a:fontRef idx="minor">
+                <a:schemeClr val="lt1"/>
+              </a:fontRef>
+            </p:style>
+            <p:txBody>
+              <a:bodyPr rtlCol="0" anchor="ctr"/>
+              <a:lstStyle/>
+              <a:p>
+                <a:pPr algn="ctr"/>
+                <a:endParaRPr lang="en-US"/>
+              </a:p>
+            </p:txBody>
+          </p:sp>
+          <p:sp>
+            <p:nvSpPr>
+              <p:cNvPr id="31" name="Up Arrow 30">
+                <a:extLst>
+                  <a:ext uri="{FF2B5EF4-FFF2-40B4-BE49-F238E27FC236}">
+                    <a16:creationId xmlns:a16="http://schemas.microsoft.com/office/drawing/2014/main" id="{120773DA-1700-2E4C-880C-FC469A887424}"/>
+                  </a:ext>
+                </a:extLst>
+              </p:cNvPr>
+              <p:cNvSpPr/>
+              <p:nvPr/>
+            </p:nvSpPr>
+            <p:spPr>
+              <a:xfrm rot="10800000">
+                <a:off x="8691860" y="4357857"/>
+                <a:ext cx="666892" cy="605790"/>
+              </a:xfrm>
+              <a:prstGeom prst="upArrow">
+                <a:avLst>
+                  <a:gd name="adj1" fmla="val 52062"/>
+                  <a:gd name="adj2" fmla="val 52792"/>
+                </a:avLst>
+              </a:prstGeom>
+              <a:solidFill>
+                <a:schemeClr val="bg1"/>
+              </a:solidFill>
+              <a:ln>
+                <a:noFill/>
+              </a:ln>
+            </p:spPr>
+            <p:style>
+              <a:lnRef idx="2">
+                <a:schemeClr val="accent1">
+                  <a:shade val="50000"/>
+                </a:schemeClr>
+              </a:lnRef>
+              <a:fillRef idx="1">
+                <a:schemeClr val="accent1"/>
+              </a:fillRef>
+              <a:effectRef idx="0">
+                <a:schemeClr val="accent1"/>
+              </a:effectRef>
+              <a:fontRef idx="minor">
+                <a:schemeClr val="lt1"/>
+              </a:fontRef>
+            </p:style>
+            <p:txBody>
+              <a:bodyPr rtlCol="0" anchor="ctr"/>
+              <a:lstStyle/>
+              <a:p>
+                <a:pPr algn="ctr"/>
+                <a:endParaRPr lang="en-US"/>
+              </a:p>
+            </p:txBody>
+          </p:sp>
+        </p:grpSp>
+        <p:grpSp>
+          <p:nvGrpSpPr>
+            <p:cNvPr id="35" name="Group 34">
+              <a:extLst>
+                <a:ext uri="{FF2B5EF4-FFF2-40B4-BE49-F238E27FC236}">
+                  <a16:creationId xmlns:a16="http://schemas.microsoft.com/office/drawing/2014/main" id="{B2599364-CCF7-8744-9F69-230A32B7934F}"/>
+                </a:ext>
+              </a:extLst>
+            </p:cNvPr>
+            <p:cNvGrpSpPr/>
+            <p:nvPr/>
+          </p:nvGrpSpPr>
+          <p:grpSpPr>
+            <a:xfrm rot="13500000">
+              <a:off x="8697724" y="1893615"/>
+              <a:ext cx="672621" cy="3082004"/>
+              <a:chOff x="8691860" y="1881643"/>
+              <a:chExt cx="672621" cy="3082004"/>
+            </a:xfrm>
+          </p:grpSpPr>
+          <p:sp>
+            <p:nvSpPr>
+              <p:cNvPr id="36" name="Up Arrow 35">
+                <a:extLst>
+                  <a:ext uri="{FF2B5EF4-FFF2-40B4-BE49-F238E27FC236}">
+                    <a16:creationId xmlns:a16="http://schemas.microsoft.com/office/drawing/2014/main" id="{ED3D3E62-6B40-8748-B9ED-C3FC71F0BDA0}"/>
+                  </a:ext>
+                </a:extLst>
+              </p:cNvPr>
+              <p:cNvSpPr/>
+              <p:nvPr/>
+            </p:nvSpPr>
+            <p:spPr>
+              <a:xfrm>
+                <a:off x="8697589" y="1881643"/>
+                <a:ext cx="666892" cy="605790"/>
+              </a:xfrm>
+              <a:prstGeom prst="upArrow">
+                <a:avLst>
+                  <a:gd name="adj1" fmla="val 52062"/>
+                  <a:gd name="adj2" fmla="val 52792"/>
+                </a:avLst>
+              </a:prstGeom>
+              <a:solidFill>
+                <a:schemeClr val="bg1"/>
+              </a:solidFill>
+              <a:ln>
+                <a:noFill/>
+              </a:ln>
+            </p:spPr>
+            <p:style>
+              <a:lnRef idx="2">
+                <a:schemeClr val="accent1">
+                  <a:shade val="50000"/>
+                </a:schemeClr>
+              </a:lnRef>
+              <a:fillRef idx="1">
+                <a:schemeClr val="accent1"/>
+              </a:fillRef>
+              <a:effectRef idx="0">
+                <a:schemeClr val="accent1"/>
+              </a:effectRef>
+              <a:fontRef idx="minor">
+                <a:schemeClr val="lt1"/>
+              </a:fontRef>
+            </p:style>
+            <p:txBody>
+              <a:bodyPr rtlCol="0" anchor="ctr"/>
+              <a:lstStyle/>
+              <a:p>
+                <a:pPr algn="ctr"/>
+                <a:endParaRPr lang="en-US"/>
+              </a:p>
+            </p:txBody>
+          </p:sp>
+          <p:sp>
+            <p:nvSpPr>
+              <p:cNvPr id="37" name="Up Arrow 36">
+                <a:extLst>
+                  <a:ext uri="{FF2B5EF4-FFF2-40B4-BE49-F238E27FC236}">
+                    <a16:creationId xmlns:a16="http://schemas.microsoft.com/office/drawing/2014/main" id="{3877496F-17FD-664E-8693-AA35016C7417}"/>
+                  </a:ext>
+                </a:extLst>
+              </p:cNvPr>
+              <p:cNvSpPr/>
+              <p:nvPr/>
+            </p:nvSpPr>
+            <p:spPr>
+              <a:xfrm rot="10800000">
+                <a:off x="8691860" y="4357857"/>
+                <a:ext cx="666892" cy="605790"/>
+              </a:xfrm>
+              <a:prstGeom prst="upArrow">
+                <a:avLst>
+                  <a:gd name="adj1" fmla="val 52062"/>
+                  <a:gd name="adj2" fmla="val 52792"/>
+                </a:avLst>
+              </a:prstGeom>
+              <a:solidFill>
+                <a:schemeClr val="bg1"/>
+              </a:solidFill>
+              <a:ln>
+                <a:noFill/>
+              </a:ln>
+            </p:spPr>
+            <p:style>
+              <a:lnRef idx="2">
+                <a:schemeClr val="accent1">
+                  <a:shade val="50000"/>
+                </a:schemeClr>
+              </a:lnRef>
+              <a:fillRef idx="1">
+                <a:schemeClr val="accent1"/>
+              </a:fillRef>
+              <a:effectRef idx="0">
+                <a:schemeClr val="accent1"/>
+              </a:effectRef>
+              <a:fontRef idx="minor">
+                <a:schemeClr val="lt1"/>
+              </a:fontRef>
+            </p:style>
+            <p:txBody>
+              <a:bodyPr rtlCol="0" anchor="ctr"/>
+              <a:lstStyle/>
+              <a:p>
+                <a:pPr algn="ctr"/>
+                <a:endParaRPr lang="en-US"/>
+              </a:p>
+            </p:txBody>
+          </p:sp>
+        </p:grpSp>
+        <p:grpSp>
+          <p:nvGrpSpPr>
+            <p:cNvPr id="38" name="Group 37">
+              <a:extLst>
+                <a:ext uri="{FF2B5EF4-FFF2-40B4-BE49-F238E27FC236}">
+                  <a16:creationId xmlns:a16="http://schemas.microsoft.com/office/drawing/2014/main" id="{43B1831D-B0DC-2441-A33B-2F8D0970E475}"/>
+                </a:ext>
+              </a:extLst>
+            </p:cNvPr>
+            <p:cNvGrpSpPr/>
+            <p:nvPr/>
+          </p:nvGrpSpPr>
+          <p:grpSpPr>
+            <a:xfrm rot="8100000">
+              <a:off x="8697724" y="1893615"/>
+              <a:ext cx="672621" cy="3082004"/>
+              <a:chOff x="8691860" y="1881643"/>
+              <a:chExt cx="672621" cy="3082004"/>
+            </a:xfrm>
+          </p:grpSpPr>
+          <p:sp>
+            <p:nvSpPr>
+              <p:cNvPr id="39" name="Up Arrow 38">
+                <a:extLst>
+                  <a:ext uri="{FF2B5EF4-FFF2-40B4-BE49-F238E27FC236}">
+                    <a16:creationId xmlns:a16="http://schemas.microsoft.com/office/drawing/2014/main" id="{A8979A4E-53E0-3C42-AB4B-DF452F085240}"/>
+                  </a:ext>
+                </a:extLst>
+              </p:cNvPr>
+              <p:cNvSpPr/>
+              <p:nvPr/>
+            </p:nvSpPr>
+            <p:spPr>
+              <a:xfrm>
+                <a:off x="8697589" y="1881643"/>
+                <a:ext cx="666892" cy="605790"/>
+              </a:xfrm>
+              <a:prstGeom prst="upArrow">
+                <a:avLst>
+                  <a:gd name="adj1" fmla="val 52062"/>
+                  <a:gd name="adj2" fmla="val 52792"/>
+                </a:avLst>
+              </a:prstGeom>
+              <a:solidFill>
+                <a:schemeClr val="bg1"/>
+              </a:solidFill>
+              <a:ln>
+                <a:noFill/>
+              </a:ln>
+            </p:spPr>
+            <p:style>
+              <a:lnRef idx="2">
+                <a:schemeClr val="accent1">
+                  <a:shade val="50000"/>
+                </a:schemeClr>
+              </a:lnRef>
+              <a:fillRef idx="1">
+                <a:schemeClr val="accent1"/>
+              </a:fillRef>
+              <a:effectRef idx="0">
+                <a:schemeClr val="accent1"/>
+              </a:effectRef>
+              <a:fontRef idx="minor">
+                <a:schemeClr val="lt1"/>
+              </a:fontRef>
+            </p:style>
+            <p:txBody>
+              <a:bodyPr rtlCol="0" anchor="ctr"/>
+              <a:lstStyle/>
+              <a:p>
+                <a:pPr algn="ctr"/>
+                <a:endParaRPr lang="en-US"/>
+              </a:p>
+            </p:txBody>
+          </p:sp>
+          <p:sp>
+            <p:nvSpPr>
+              <p:cNvPr id="40" name="Up Arrow 39">
+                <a:extLst>
+                  <a:ext uri="{FF2B5EF4-FFF2-40B4-BE49-F238E27FC236}">
+                    <a16:creationId xmlns:a16="http://schemas.microsoft.com/office/drawing/2014/main" id="{3A91ABF6-0DC2-A54C-B63C-894E7543E352}"/>
+                  </a:ext>
+                </a:extLst>
+              </p:cNvPr>
+              <p:cNvSpPr/>
+              <p:nvPr/>
+            </p:nvSpPr>
+            <p:spPr>
+              <a:xfrm rot="10800000">
+                <a:off x="8691860" y="4357857"/>
+                <a:ext cx="666892" cy="605790"/>
+              </a:xfrm>
+              <a:prstGeom prst="upArrow">
+                <a:avLst>
+                  <a:gd name="adj1" fmla="val 52062"/>
+                  <a:gd name="adj2" fmla="val 52792"/>
+                </a:avLst>
+              </a:prstGeom>
+              <a:solidFill>
+                <a:schemeClr val="bg1"/>
+              </a:solidFill>
+              <a:ln>
+                <a:noFill/>
+              </a:ln>
+            </p:spPr>
+            <p:style>
+              <a:lnRef idx="2">
+                <a:schemeClr val="accent1">
+                  <a:shade val="50000"/>
+                </a:schemeClr>
+              </a:lnRef>
+              <a:fillRef idx="1">
+                <a:schemeClr val="accent1"/>
+              </a:fillRef>
+              <a:effectRef idx="0">
+                <a:schemeClr val="accent1"/>
+              </a:effectRef>
+              <a:fontRef idx="minor">
+                <a:schemeClr val="lt1"/>
+              </a:fontRef>
+            </p:style>
+            <p:txBody>
+              <a:bodyPr rtlCol="0" anchor="ctr"/>
+              <a:lstStyle/>
+              <a:p>
+                <a:pPr algn="ctr"/>
+                <a:endParaRPr lang="en-US"/>
+              </a:p>
+            </p:txBody>
+          </p:sp>
+        </p:grpSp>
+      </p:grpSp>
+    </p:spTree>
+    <p:extLst>
+      <p:ext uri="{BB962C8B-B14F-4D97-AF65-F5344CB8AC3E}">
+        <p14:creationId xmlns:p14="http://schemas.microsoft.com/office/powerpoint/2010/main" val="2854672337"/>
+      </p:ext>
+    </p:extLst>
+  </p:cSld>
+  <p:clrMapOvr>
+    <a:masterClrMapping/>
+  </p:clrMapOvr>
+</p:sld>
+</file>
+
 <file path=ppt/theme/theme1.xml><?xml version="1.0" encoding="utf-8"?>
 <a:theme xmlns:a="http://schemas.openxmlformats.org/drawingml/2006/main" name="Office Theme">
   <a:themeElements>
